--- a/decorator/decorator.pptx
+++ b/decorator/decorator.pptx
@@ -110,6 +110,11 @@
       </a:defRPr>
     </a:lvl9pPr>
   </p:defaultTextStyle>
+  <p:extLst>
+    <p:ext uri="{EFAFB233-063F-42B5-8137-9DF3F51BA10A}">
+      <p15:sldGuideLst xmlns:p15="http://schemas.microsoft.com/office/powerpoint/2012/main"/>
+    </p:ext>
+  </p:extLst>
 </p:presentation>
 </file>
 
@@ -244,7 +249,7 @@
           <a:p>
             <a:fld id="{8616432C-F3ED-49EA-925E-7ABA103A417A}" type="datetimeFigureOut">
               <a:rPr lang="ru-RU" smtClean="0"/>
-              <a:t>06/04/20</a:t>
+              <a:t>07/04/20</a:t>
             </a:fld>
             <a:endParaRPr lang="ru-RU"/>
           </a:p>
@@ -414,7 +419,7 @@
           <a:p>
             <a:fld id="{8616432C-F3ED-49EA-925E-7ABA103A417A}" type="datetimeFigureOut">
               <a:rPr lang="ru-RU" smtClean="0"/>
-              <a:t>06/04/20</a:t>
+              <a:t>07/04/20</a:t>
             </a:fld>
             <a:endParaRPr lang="ru-RU"/>
           </a:p>
@@ -594,7 +599,7 @@
           <a:p>
             <a:fld id="{8616432C-F3ED-49EA-925E-7ABA103A417A}" type="datetimeFigureOut">
               <a:rPr lang="ru-RU" smtClean="0"/>
-              <a:t>06/04/20</a:t>
+              <a:t>07/04/20</a:t>
             </a:fld>
             <a:endParaRPr lang="ru-RU"/>
           </a:p>
@@ -764,7 +769,7 @@
           <a:p>
             <a:fld id="{8616432C-F3ED-49EA-925E-7ABA103A417A}" type="datetimeFigureOut">
               <a:rPr lang="ru-RU" smtClean="0"/>
-              <a:t>06/04/20</a:t>
+              <a:t>07/04/20</a:t>
             </a:fld>
             <a:endParaRPr lang="ru-RU"/>
           </a:p>
@@ -1010,7 +1015,7 @@
           <a:p>
             <a:fld id="{8616432C-F3ED-49EA-925E-7ABA103A417A}" type="datetimeFigureOut">
               <a:rPr lang="ru-RU" smtClean="0"/>
-              <a:t>06/04/20</a:t>
+              <a:t>07/04/20</a:t>
             </a:fld>
             <a:endParaRPr lang="ru-RU"/>
           </a:p>
@@ -1242,7 +1247,7 @@
           <a:p>
             <a:fld id="{8616432C-F3ED-49EA-925E-7ABA103A417A}" type="datetimeFigureOut">
               <a:rPr lang="ru-RU" smtClean="0"/>
-              <a:t>06/04/20</a:t>
+              <a:t>07/04/20</a:t>
             </a:fld>
             <a:endParaRPr lang="ru-RU"/>
           </a:p>
@@ -1609,7 +1614,7 @@
           <a:p>
             <a:fld id="{8616432C-F3ED-49EA-925E-7ABA103A417A}" type="datetimeFigureOut">
               <a:rPr lang="ru-RU" smtClean="0"/>
-              <a:t>06/04/20</a:t>
+              <a:t>07/04/20</a:t>
             </a:fld>
             <a:endParaRPr lang="ru-RU"/>
           </a:p>
@@ -1727,7 +1732,7 @@
           <a:p>
             <a:fld id="{8616432C-F3ED-49EA-925E-7ABA103A417A}" type="datetimeFigureOut">
               <a:rPr lang="ru-RU" smtClean="0"/>
-              <a:t>06/04/20</a:t>
+              <a:t>07/04/20</a:t>
             </a:fld>
             <a:endParaRPr lang="ru-RU"/>
           </a:p>
@@ -1822,7 +1827,7 @@
           <a:p>
             <a:fld id="{8616432C-F3ED-49EA-925E-7ABA103A417A}" type="datetimeFigureOut">
               <a:rPr lang="ru-RU" smtClean="0"/>
-              <a:t>06/04/20</a:t>
+              <a:t>07/04/20</a:t>
             </a:fld>
             <a:endParaRPr lang="ru-RU"/>
           </a:p>
@@ -2099,7 +2104,7 @@
           <a:p>
             <a:fld id="{8616432C-F3ED-49EA-925E-7ABA103A417A}" type="datetimeFigureOut">
               <a:rPr lang="ru-RU" smtClean="0"/>
-              <a:t>06/04/20</a:t>
+              <a:t>07/04/20</a:t>
             </a:fld>
             <a:endParaRPr lang="ru-RU"/>
           </a:p>
@@ -2352,7 +2357,7 @@
           <a:p>
             <a:fld id="{8616432C-F3ED-49EA-925E-7ABA103A417A}" type="datetimeFigureOut">
               <a:rPr lang="ru-RU" smtClean="0"/>
-              <a:t>06/04/20</a:t>
+              <a:t>07/04/20</a:t>
             </a:fld>
             <a:endParaRPr lang="ru-RU"/>
           </a:p>
@@ -2565,7 +2570,7 @@
           <a:p>
             <a:fld id="{8616432C-F3ED-49EA-925E-7ABA103A417A}" type="datetimeFigureOut">
               <a:rPr lang="ru-RU" smtClean="0"/>
-              <a:t>06/04/20</a:t>
+              <a:t>07/04/20</a:t>
             </a:fld>
             <a:endParaRPr lang="ru-RU"/>
           </a:p>
@@ -3263,6 +3268,9 @@
           <a:bodyPr/>
           <a:lstStyle/>
           <a:p>
+            <a:pPr marL="0" indent="0">
+              <a:buNone/>
+            </a:pPr>
             <a:endParaRPr lang="ru-RU" dirty="0"/>
           </a:p>
         </p:txBody>
